--- a/documentation/Solution Architecture.pptx
+++ b/documentation/Solution Architecture.pptx
@@ -107,6 +107,11 @@
       </a:defRPr>
     </a:lvl9pPr>
   </p:defaultTextStyle>
+  <p:extLst>
+    <p:ext uri="{EFAFB233-063F-42B5-8137-9DF3F51BA10A}">
+      <p15:sldGuideLst xmlns:p15="http://schemas.microsoft.com/office/powerpoint/2012/main"/>
+    </p:ext>
+  </p:extLst>
 </p:presentation>
 </file>
 
@@ -192,7 +197,7 @@
           <a:p>
             <a:fld id="{C5B3612C-3DB7-8F4D-81AE-AA1927E1DBCF}" type="datetimeFigureOut">
               <a:rPr lang="en-US" smtClean="0"/>
-              <a:t>3/13/24</a:t>
+              <a:t>3/20/24</a:t>
             </a:fld>
             <a:endParaRPr lang="en-US"/>
           </a:p>
@@ -690,7 +695,7 @@
           <a:p>
             <a:fld id="{79BD70DF-5F30-1843-9E5E-E7485BBBB0A2}" type="datetimeFigureOut">
               <a:rPr lang="en-US" smtClean="0"/>
-              <a:t>3/13/24</a:t>
+              <a:t>3/20/24</a:t>
             </a:fld>
             <a:endParaRPr lang="en-US"/>
           </a:p>
@@ -888,7 +893,7 @@
           <a:p>
             <a:fld id="{79BD70DF-5F30-1843-9E5E-E7485BBBB0A2}" type="datetimeFigureOut">
               <a:rPr lang="en-US" smtClean="0"/>
-              <a:t>3/13/24</a:t>
+              <a:t>3/20/24</a:t>
             </a:fld>
             <a:endParaRPr lang="en-US"/>
           </a:p>
@@ -1096,7 +1101,7 @@
           <a:p>
             <a:fld id="{79BD70DF-5F30-1843-9E5E-E7485BBBB0A2}" type="datetimeFigureOut">
               <a:rPr lang="en-US" smtClean="0"/>
-              <a:t>3/13/24</a:t>
+              <a:t>3/20/24</a:t>
             </a:fld>
             <a:endParaRPr lang="en-US"/>
           </a:p>
@@ -1294,7 +1299,7 @@
           <a:p>
             <a:fld id="{79BD70DF-5F30-1843-9E5E-E7485BBBB0A2}" type="datetimeFigureOut">
               <a:rPr lang="en-US" smtClean="0"/>
-              <a:t>3/13/24</a:t>
+              <a:t>3/20/24</a:t>
             </a:fld>
             <a:endParaRPr lang="en-US"/>
           </a:p>
@@ -1569,7 +1574,7 @@
           <a:p>
             <a:fld id="{79BD70DF-5F30-1843-9E5E-E7485BBBB0A2}" type="datetimeFigureOut">
               <a:rPr lang="en-US" smtClean="0"/>
-              <a:t>3/13/24</a:t>
+              <a:t>3/20/24</a:t>
             </a:fld>
             <a:endParaRPr lang="en-US"/>
           </a:p>
@@ -1834,7 +1839,7 @@
           <a:p>
             <a:fld id="{79BD70DF-5F30-1843-9E5E-E7485BBBB0A2}" type="datetimeFigureOut">
               <a:rPr lang="en-US" smtClean="0"/>
-              <a:t>3/13/24</a:t>
+              <a:t>3/20/24</a:t>
             </a:fld>
             <a:endParaRPr lang="en-US"/>
           </a:p>
@@ -2246,7 +2251,7 @@
           <a:p>
             <a:fld id="{79BD70DF-5F30-1843-9E5E-E7485BBBB0A2}" type="datetimeFigureOut">
               <a:rPr lang="en-US" smtClean="0"/>
-              <a:t>3/13/24</a:t>
+              <a:t>3/20/24</a:t>
             </a:fld>
             <a:endParaRPr lang="en-US"/>
           </a:p>
@@ -2387,7 +2392,7 @@
           <a:p>
             <a:fld id="{79BD70DF-5F30-1843-9E5E-E7485BBBB0A2}" type="datetimeFigureOut">
               <a:rPr lang="en-US" smtClean="0"/>
-              <a:t>3/13/24</a:t>
+              <a:t>3/20/24</a:t>
             </a:fld>
             <a:endParaRPr lang="en-US"/>
           </a:p>
@@ -2500,7 +2505,7 @@
           <a:p>
             <a:fld id="{79BD70DF-5F30-1843-9E5E-E7485BBBB0A2}" type="datetimeFigureOut">
               <a:rPr lang="en-US" smtClean="0"/>
-              <a:t>3/13/24</a:t>
+              <a:t>3/20/24</a:t>
             </a:fld>
             <a:endParaRPr lang="en-US"/>
           </a:p>
@@ -2811,7 +2816,7 @@
           <a:p>
             <a:fld id="{79BD70DF-5F30-1843-9E5E-E7485BBBB0A2}" type="datetimeFigureOut">
               <a:rPr lang="en-US" smtClean="0"/>
-              <a:t>3/13/24</a:t>
+              <a:t>3/20/24</a:t>
             </a:fld>
             <a:endParaRPr lang="en-US"/>
           </a:p>
@@ -3099,7 +3104,7 @@
           <a:p>
             <a:fld id="{79BD70DF-5F30-1843-9E5E-E7485BBBB0A2}" type="datetimeFigureOut">
               <a:rPr lang="en-US" smtClean="0"/>
-              <a:t>3/13/24</a:t>
+              <a:t>3/20/24</a:t>
             </a:fld>
             <a:endParaRPr lang="en-US"/>
           </a:p>
@@ -3340,7 +3345,7 @@
           <a:p>
             <a:fld id="{79BD70DF-5F30-1843-9E5E-E7485BBBB0A2}" type="datetimeFigureOut">
               <a:rPr lang="en-US" smtClean="0"/>
-              <a:t>3/13/24</a:t>
+              <a:t>3/20/24</a:t>
             </a:fld>
             <a:endParaRPr lang="en-US"/>
           </a:p>
@@ -3757,6 +3762,60 @@
           <a:chExt cx="0" cy="0"/>
         </a:xfrm>
       </p:grpSpPr>
+      <p:sp>
+        <p:nvSpPr>
+          <p:cNvPr id="24" name="Rectangle 23">
+            <a:extLst>
+              <a:ext uri="{FF2B5EF4-FFF2-40B4-BE49-F238E27FC236}">
+                <a16:creationId xmlns:a16="http://schemas.microsoft.com/office/drawing/2014/main" id="{B95F145D-B71C-4FD7-723F-0E353DF9CC3B}"/>
+              </a:ext>
+            </a:extLst>
+          </p:cNvPr>
+          <p:cNvSpPr/>
+          <p:nvPr/>
+        </p:nvSpPr>
+        <p:spPr>
+          <a:xfrm>
+            <a:off x="7425989" y="2616480"/>
+            <a:ext cx="2036514" cy="893963"/>
+          </a:xfrm>
+          <a:prstGeom prst="rect">
+            <a:avLst/>
+          </a:prstGeom>
+          <a:solidFill>
+            <a:schemeClr val="bg1"/>
+          </a:solidFill>
+          <a:ln>
+            <a:solidFill>
+              <a:srgbClr val="002060"/>
+            </a:solidFill>
+          </a:ln>
+        </p:spPr>
+        <p:style>
+          <a:lnRef idx="2">
+            <a:schemeClr val="accent1">
+              <a:shade val="15000"/>
+            </a:schemeClr>
+          </a:lnRef>
+          <a:fillRef idx="1">
+            <a:schemeClr val="accent1"/>
+          </a:fillRef>
+          <a:effectRef idx="0">
+            <a:schemeClr val="accent1"/>
+          </a:effectRef>
+          <a:fontRef idx="minor">
+            <a:schemeClr val="lt1"/>
+          </a:fontRef>
+        </p:style>
+        <p:txBody>
+          <a:bodyPr rtlCol="0" anchor="ctr"/>
+          <a:lstStyle/>
+          <a:p>
+            <a:pPr algn="ctr"/>
+            <a:endParaRPr lang="en-US"/>
+          </a:p>
+        </p:txBody>
+      </p:sp>
       <p:pic>
         <p:nvPicPr>
           <p:cNvPr id="1026" name="Picture 2" descr="Static Web Apps pricing - Microsoft Azure">
@@ -3784,7 +3843,7 @@
         </p:blipFill>
         <p:spPr bwMode="auto">
           <a:xfrm>
-            <a:off x="2795024" y="2348374"/>
+            <a:off x="1905817" y="2348374"/>
             <a:ext cx="1611087" cy="1340483"/>
           </a:xfrm>
           <a:prstGeom prst="rect">
@@ -3831,8 +3890,8 @@
         </p:blipFill>
         <p:spPr bwMode="auto">
           <a:xfrm>
-            <a:off x="532747" y="2457623"/>
-            <a:ext cx="1308709" cy="1138008"/>
+            <a:off x="202780" y="2507996"/>
+            <a:ext cx="1105930" cy="961678"/>
           </a:xfrm>
           <a:prstGeom prst="rect">
             <a:avLst/>
@@ -3876,7 +3935,7 @@
         </p:blipFill>
         <p:spPr bwMode="auto">
           <a:xfrm>
-            <a:off x="6022761" y="2400117"/>
+            <a:off x="4722074" y="2400117"/>
             <a:ext cx="1308709" cy="1253020"/>
           </a:xfrm>
           <a:prstGeom prst="rect">
@@ -3921,8 +3980,8 @@
         </p:blipFill>
         <p:spPr bwMode="auto">
           <a:xfrm>
-            <a:off x="9342829" y="2624253"/>
-            <a:ext cx="2736122" cy="804747"/>
+            <a:off x="10035574" y="1815091"/>
+            <a:ext cx="2079453" cy="597484"/>
           </a:xfrm>
           <a:prstGeom prst="rect">
             <a:avLst/>
@@ -3956,9 +4015,9 @@
           <p:nvPr/>
         </p:nvCxnSpPr>
         <p:spPr>
-          <a:xfrm flipV="1">
-            <a:off x="1841456" y="3018616"/>
-            <a:ext cx="953568" cy="8011"/>
+          <a:xfrm>
+            <a:off x="1308710" y="2988835"/>
+            <a:ext cx="597107" cy="29781"/>
           </a:xfrm>
           <a:prstGeom prst="straightConnector1">
             <a:avLst/>
@@ -4000,51 +4059,8 @@
         </p:nvCxnSpPr>
         <p:spPr>
           <a:xfrm>
-            <a:off x="4406111" y="3018616"/>
-            <a:ext cx="1616650" cy="8011"/>
-          </a:xfrm>
-          <a:prstGeom prst="straightConnector1">
-            <a:avLst/>
-          </a:prstGeom>
-          <a:ln>
-            <a:tailEnd type="triangle"/>
-          </a:ln>
-        </p:spPr>
-        <p:style>
-          <a:lnRef idx="2">
-            <a:schemeClr val="accent1"/>
-          </a:lnRef>
-          <a:fillRef idx="0">
-            <a:schemeClr val="accent1"/>
-          </a:fillRef>
-          <a:effectRef idx="1">
-            <a:schemeClr val="accent1"/>
-          </a:effectRef>
-          <a:fontRef idx="minor">
-            <a:schemeClr val="tx1"/>
-          </a:fontRef>
-        </p:style>
-      </p:cxnSp>
-      <p:cxnSp>
-        <p:nvCxnSpPr>
-          <p:cNvPr id="12" name="Straight Arrow Connector 11">
-            <a:extLst>
-              <a:ext uri="{FF2B5EF4-FFF2-40B4-BE49-F238E27FC236}">
-                <a16:creationId xmlns:a16="http://schemas.microsoft.com/office/drawing/2014/main" id="{120DF10C-DD91-047C-82ED-15733462FFBB}"/>
-              </a:ext>
-            </a:extLst>
-          </p:cNvPr>
-          <p:cNvCxnSpPr>
-            <a:cxnSpLocks/>
-            <a:stCxn id="1030" idx="3"/>
-            <a:endCxn id="1032" idx="1"/>
-          </p:cNvCxnSpPr>
-          <p:nvPr/>
-        </p:nvCxnSpPr>
-        <p:spPr>
-          <a:xfrm>
-            <a:off x="7331470" y="3026627"/>
-            <a:ext cx="2011359" cy="0"/>
+            <a:off x="3516904" y="3018616"/>
+            <a:ext cx="1205170" cy="8011"/>
           </a:xfrm>
           <a:prstGeom prst="straightConnector1">
             <a:avLst/>
@@ -4095,7 +4111,7 @@
         </p:blipFill>
         <p:spPr bwMode="auto">
           <a:xfrm>
-            <a:off x="6291373" y="857020"/>
+            <a:off x="4990686" y="857020"/>
             <a:ext cx="771484" cy="892627"/>
           </a:xfrm>
           <a:prstGeom prst="rect">
@@ -4140,7 +4156,7 @@
         </p:blipFill>
         <p:spPr bwMode="auto">
           <a:xfrm>
-            <a:off x="6328494" y="4536391"/>
+            <a:off x="5027807" y="4536391"/>
             <a:ext cx="697241" cy="1132113"/>
           </a:xfrm>
           <a:prstGeom prst="rect">
@@ -4176,7 +4192,7 @@
         </p:nvCxnSpPr>
         <p:spPr>
           <a:xfrm>
-            <a:off x="6677115" y="1749647"/>
+            <a:off x="5376428" y="1749647"/>
             <a:ext cx="1" cy="650470"/>
           </a:xfrm>
           <a:prstGeom prst="straightConnector1">
@@ -4219,7 +4235,7 @@
         </p:nvCxnSpPr>
         <p:spPr>
           <a:xfrm flipH="1">
-            <a:off x="6677115" y="3653137"/>
+            <a:off x="5376428" y="3653137"/>
             <a:ext cx="1" cy="883254"/>
           </a:xfrm>
           <a:prstGeom prst="straightConnector1">
@@ -4258,7 +4274,7 @@
         </p:nvSpPr>
         <p:spPr>
           <a:xfrm>
-            <a:off x="532746" y="1565454"/>
+            <a:off x="100869" y="1821709"/>
             <a:ext cx="1308710" cy="646331"/>
           </a:xfrm>
           <a:prstGeom prst="rect">
@@ -4315,7 +4331,7 @@
         </p:blipFill>
         <p:spPr bwMode="auto">
           <a:xfrm>
-            <a:off x="3099090" y="744739"/>
+            <a:off x="2209883" y="744739"/>
             <a:ext cx="1002953" cy="991656"/>
           </a:xfrm>
           <a:prstGeom prst="rect">
@@ -4351,7 +4367,7 @@
         </p:nvCxnSpPr>
         <p:spPr>
           <a:xfrm flipH="1" flipV="1">
-            <a:off x="3600567" y="1736395"/>
+            <a:off x="2711360" y="1736395"/>
             <a:ext cx="1" cy="611979"/>
           </a:xfrm>
           <a:prstGeom prst="straightConnector1">
@@ -4391,7 +4407,7 @@
         </p:nvSpPr>
         <p:spPr>
           <a:xfrm>
-            <a:off x="2648672" y="3607789"/>
+            <a:off x="1759465" y="3607789"/>
             <a:ext cx="1818114" cy="646331"/>
           </a:xfrm>
           <a:prstGeom prst="rect">
@@ -4427,7 +4443,7 @@
         </p:nvSpPr>
         <p:spPr>
           <a:xfrm>
-            <a:off x="3525643" y="649800"/>
+            <a:off x="2636436" y="649800"/>
             <a:ext cx="1818114" cy="369332"/>
           </a:xfrm>
           <a:prstGeom prst="rect">
@@ -4467,7 +4483,7 @@
         </p:nvSpPr>
         <p:spPr>
           <a:xfrm>
-            <a:off x="6708220" y="649800"/>
+            <a:off x="5407533" y="649800"/>
             <a:ext cx="1326342" cy="646331"/>
           </a:xfrm>
           <a:prstGeom prst="rect">
@@ -4503,8 +4519,8 @@
         </p:nvSpPr>
         <p:spPr>
           <a:xfrm>
-            <a:off x="6639994" y="1815091"/>
-            <a:ext cx="771482" cy="461665"/>
+            <a:off x="5339306" y="1815091"/>
+            <a:ext cx="929561" cy="461665"/>
           </a:xfrm>
           <a:prstGeom prst="rect">
             <a:avLst/>
@@ -4519,12 +4535,8 @@
           <a:p>
             <a:pPr algn="ctr"/>
             <a:r>
-              <a:rPr lang="en-US" sz="1200" dirty="0" err="1"/>
-              <a:t>OpenAI</a:t>
-            </a:r>
-            <a:r>
               <a:rPr lang="en-US" sz="1200" dirty="0"/>
-              <a:t> API Key</a:t>
+              <a:t>Providers API Keys</a:t>
             </a:r>
           </a:p>
         </p:txBody>
@@ -4543,7 +4555,7 @@
         </p:nvSpPr>
         <p:spPr>
           <a:xfrm>
-            <a:off x="7307869" y="2564961"/>
+            <a:off x="5623441" y="2558852"/>
             <a:ext cx="2136025" cy="461665"/>
           </a:xfrm>
           <a:prstGeom prst="rect">
@@ -4564,11 +4576,7 @@
             </a:r>
             <a:r>
               <a:rPr lang="en-US" sz="1200" dirty="0"/>
-              <a:t>  </a:t>
-            </a:r>
-            <a:r>
-              <a:rPr lang="en-US" sz="1200" dirty="0" err="1"/>
-              <a:t>ChatGPT</a:t>
+              <a:t> Chat </a:t>
             </a:r>
             <a:br>
               <a:rPr lang="en-US" sz="1200" dirty="0"/>
@@ -4594,7 +4602,7 @@
         </p:nvSpPr>
         <p:spPr>
           <a:xfrm>
-            <a:off x="5768057" y="5522132"/>
+            <a:off x="4467370" y="5522132"/>
             <a:ext cx="1818114" cy="646331"/>
           </a:xfrm>
           <a:prstGeom prst="rect">
@@ -4630,8 +4638,8 @@
         </p:nvSpPr>
         <p:spPr>
           <a:xfrm>
-            <a:off x="6660498" y="3971187"/>
-            <a:ext cx="1818114" cy="276999"/>
+            <a:off x="5336760" y="3872245"/>
+            <a:ext cx="2089229" cy="461665"/>
           </a:xfrm>
           <a:prstGeom prst="rect">
             <a:avLst/>
@@ -4646,7 +4654,14 @@
           <a:p>
             <a:r>
               <a:rPr lang="en-US" sz="1200" dirty="0"/>
-              <a:t>Request Logs</a:t>
+              <a:t>API Request Logs </a:t>
+            </a:r>
+            <a:br>
+              <a:rPr lang="en-US" sz="1200" dirty="0"/>
+            </a:br>
+            <a:r>
+              <a:rPr lang="en-US" sz="1200" dirty="0"/>
+              <a:t>(Technical Metadata Only)</a:t>
             </a:r>
           </a:p>
         </p:txBody>
@@ -4665,8 +4680,8 @@
         </p:nvSpPr>
         <p:spPr>
           <a:xfrm>
-            <a:off x="4286388" y="2724535"/>
-            <a:ext cx="1818114" cy="276999"/>
+            <a:off x="3515330" y="2575998"/>
+            <a:ext cx="1357005" cy="461665"/>
           </a:xfrm>
           <a:prstGeom prst="rect">
             <a:avLst/>
@@ -4679,18 +4694,9 @@
           </a:bodyPr>
           <a:lstStyle/>
           <a:p>
-            <a:pPr algn="ctr"/>
             <a:r>
               <a:rPr lang="en-US" sz="1200" dirty="0"/>
-              <a:t>/</a:t>
-            </a:r>
-            <a:r>
-              <a:rPr lang="en-US" sz="1200" dirty="0" err="1"/>
-              <a:t>api</a:t>
-            </a:r>
-            <a:r>
-              <a:rPr lang="en-US" sz="1200" dirty="0"/>
-              <a:t>/chat/completions</a:t>
+              <a:t>Azure SWA API “link” to APIM</a:t>
             </a:r>
           </a:p>
         </p:txBody>
@@ -4709,7 +4715,7 @@
         </p:nvSpPr>
         <p:spPr>
           <a:xfrm>
-            <a:off x="6870361" y="3191471"/>
+            <a:off x="5569674" y="3191471"/>
             <a:ext cx="1818114" cy="646331"/>
           </a:xfrm>
           <a:prstGeom prst="rect">
@@ -4745,7 +4751,7 @@
         </p:nvSpPr>
         <p:spPr>
           <a:xfrm>
-            <a:off x="3609296" y="1818295"/>
+            <a:off x="2720089" y="1818295"/>
             <a:ext cx="1308707" cy="461665"/>
           </a:xfrm>
           <a:prstGeom prst="rect">
@@ -4793,7 +4799,7 @@
         </p:blipFill>
         <p:spPr bwMode="auto">
           <a:xfrm>
-            <a:off x="2673252" y="4961672"/>
+            <a:off x="1784045" y="4961672"/>
             <a:ext cx="1731285" cy="1206791"/>
           </a:xfrm>
           <a:prstGeom prst="rect">
@@ -4829,7 +4835,7 @@
         </p:nvCxnSpPr>
         <p:spPr>
           <a:xfrm flipV="1">
-            <a:off x="3538895" y="4254120"/>
+            <a:off x="2649688" y="4254120"/>
             <a:ext cx="18834" cy="707552"/>
           </a:xfrm>
           <a:prstGeom prst="straightConnector1">
@@ -4872,7 +4878,7 @@
         </p:nvCxnSpPr>
         <p:spPr>
           <a:xfrm>
-            <a:off x="7025735" y="5102448"/>
+            <a:off x="5725048" y="5102448"/>
             <a:ext cx="560436" cy="0"/>
           </a:xfrm>
           <a:prstGeom prst="straightConnector1">
@@ -4912,7 +4918,7 @@
         </p:nvSpPr>
         <p:spPr>
           <a:xfrm>
-            <a:off x="3574346" y="4398710"/>
+            <a:off x="2685139" y="4398710"/>
             <a:ext cx="1818114" cy="461665"/>
           </a:xfrm>
           <a:prstGeom prst="rect">
@@ -4954,7 +4960,7 @@
         </p:nvSpPr>
         <p:spPr>
           <a:xfrm>
-            <a:off x="7569555" y="4895621"/>
+            <a:off x="6268868" y="4895621"/>
             <a:ext cx="1818114" cy="461665"/>
           </a:xfrm>
           <a:prstGeom prst="rect">
@@ -4969,15 +4975,396 @@
           <a:lstStyle/>
           <a:p>
             <a:r>
-              <a:rPr lang="en-US" sz="1200" dirty="0"/>
+              <a:rPr lang="en-US" sz="1200" b="1" dirty="0"/>
               <a:t>Kusto Querying</a:t>
             </a:r>
             <a:br>
-              <a:rPr lang="en-US" sz="1200" dirty="0"/>
+              <a:rPr lang="en-US" sz="1200" b="1" dirty="0"/>
             </a:br>
             <a:r>
-              <a:rPr lang="en-US" sz="1200" dirty="0"/>
-              <a:t>of stats (per user)</a:t>
+              <a:rPr lang="en-US" sz="1200" b="1" dirty="0"/>
+              <a:t>of statistics (per user)</a:t>
+            </a:r>
+          </a:p>
+        </p:txBody>
+      </p:sp>
+      <p:pic>
+        <p:nvPicPr>
+          <p:cNvPr id="4" name="Picture 2" descr="Azure Container Apps - Pricing | Microsoft Azure">
+            <a:extLst>
+              <a:ext uri="{FF2B5EF4-FFF2-40B4-BE49-F238E27FC236}">
+                <a16:creationId xmlns:a16="http://schemas.microsoft.com/office/drawing/2014/main" id="{0A118580-7827-C2CD-B30D-894E5CB01FDB}"/>
+              </a:ext>
+            </a:extLst>
+          </p:cNvPr>
+          <p:cNvPicPr>
+            <a:picLocks noChangeAspect="1" noChangeArrowheads="1"/>
+          </p:cNvPicPr>
+          <p:nvPr/>
+        </p:nvPicPr>
+        <p:blipFill>
+          <a:blip r:embed="rId11">
+            <a:extLst>
+              <a:ext uri="{28A0092B-C50C-407E-A947-70E740481C1C}">
+                <a14:useLocalDpi xmlns:a14="http://schemas.microsoft.com/office/drawing/2010/main" val="0"/>
+              </a:ext>
+            </a:extLst>
+          </a:blip>
+          <a:srcRect/>
+          <a:stretch>
+            <a:fillRect/>
+          </a:stretch>
+        </p:blipFill>
+        <p:spPr bwMode="auto">
+          <a:xfrm>
+            <a:off x="8952071" y="3396527"/>
+            <a:ext cx="866655" cy="454994"/>
+          </a:xfrm>
+          <a:prstGeom prst="rect">
+            <a:avLst/>
+          </a:prstGeom>
+          <a:noFill/>
+          <a:extLst>
+            <a:ext uri="{909E8E84-426E-40DD-AFC4-6F175D3DCCD1}">
+              <a14:hiddenFill xmlns:a14="http://schemas.microsoft.com/office/drawing/2010/main">
+                <a:solidFill>
+                  <a:srgbClr val="FFFFFF"/>
+                </a:solidFill>
+              </a14:hiddenFill>
+            </a:ext>
+          </a:extLst>
+        </p:spPr>
+      </p:pic>
+      <p:pic>
+        <p:nvPicPr>
+          <p:cNvPr id="7" name="Picture 4" descr="Portkey | Lightspeed | Venture Capital">
+            <a:extLst>
+              <a:ext uri="{FF2B5EF4-FFF2-40B4-BE49-F238E27FC236}">
+                <a16:creationId xmlns:a16="http://schemas.microsoft.com/office/drawing/2014/main" id="{3A0E9E4A-1143-87A3-4592-F2E55AA6A1D7}"/>
+              </a:ext>
+            </a:extLst>
+          </p:cNvPr>
+          <p:cNvPicPr>
+            <a:picLocks noChangeAspect="1" noChangeArrowheads="1"/>
+          </p:cNvPicPr>
+          <p:nvPr/>
+        </p:nvPicPr>
+        <p:blipFill>
+          <a:blip r:embed="rId12">
+            <a:extLst>
+              <a:ext uri="{28A0092B-C50C-407E-A947-70E740481C1C}">
+                <a14:useLocalDpi xmlns:a14="http://schemas.microsoft.com/office/drawing/2010/main" val="0"/>
+              </a:ext>
+            </a:extLst>
+          </a:blip>
+          <a:srcRect/>
+          <a:stretch>
+            <a:fillRect/>
+          </a:stretch>
+        </p:blipFill>
+        <p:spPr bwMode="auto">
+          <a:xfrm>
+            <a:off x="7449041" y="2747936"/>
+            <a:ext cx="1859315" cy="507196"/>
+          </a:xfrm>
+          <a:prstGeom prst="rect">
+            <a:avLst/>
+          </a:prstGeom>
+          <a:noFill/>
+          <a:extLst>
+            <a:ext uri="{909E8E84-426E-40DD-AFC4-6F175D3DCCD1}">
+              <a14:hiddenFill xmlns:a14="http://schemas.microsoft.com/office/drawing/2010/main">
+                <a:solidFill>
+                  <a:srgbClr val="FFFFFF"/>
+                </a:solidFill>
+              </a14:hiddenFill>
+            </a:ext>
+          </a:extLst>
+        </p:spPr>
+      </p:pic>
+      <p:pic>
+        <p:nvPicPr>
+          <p:cNvPr id="9" name="Picture 6">
+            <a:extLst>
+              <a:ext uri="{FF2B5EF4-FFF2-40B4-BE49-F238E27FC236}">
+                <a16:creationId xmlns:a16="http://schemas.microsoft.com/office/drawing/2014/main" id="{099EB20A-37A0-6E1A-89C5-B0715CEDB094}"/>
+              </a:ext>
+            </a:extLst>
+          </p:cNvPr>
+          <p:cNvPicPr>
+            <a:picLocks noChangeAspect="1" noChangeArrowheads="1"/>
+          </p:cNvPicPr>
+          <p:nvPr/>
+        </p:nvPicPr>
+        <p:blipFill>
+          <a:blip r:embed="rId13">
+            <a:extLst>
+              <a:ext uri="{28A0092B-C50C-407E-A947-70E740481C1C}">
+                <a14:useLocalDpi xmlns:a14="http://schemas.microsoft.com/office/drawing/2010/main" val="0"/>
+              </a:ext>
+            </a:extLst>
+          </a:blip>
+          <a:srcRect/>
+          <a:stretch>
+            <a:fillRect/>
+          </a:stretch>
+        </p:blipFill>
+        <p:spPr bwMode="auto">
+          <a:xfrm>
+            <a:off x="10035574" y="3734552"/>
+            <a:ext cx="2079453" cy="233938"/>
+          </a:xfrm>
+          <a:prstGeom prst="rect">
+            <a:avLst/>
+          </a:prstGeom>
+          <a:noFill/>
+          <a:extLst>
+            <a:ext uri="{909E8E84-426E-40DD-AFC4-6F175D3DCCD1}">
+              <a14:hiddenFill xmlns:a14="http://schemas.microsoft.com/office/drawing/2010/main">
+                <a:solidFill>
+                  <a:srgbClr val="FFFFFF"/>
+                </a:solidFill>
+              </a14:hiddenFill>
+            </a:ext>
+          </a:extLst>
+        </p:spPr>
+      </p:pic>
+      <p:sp>
+        <p:nvSpPr>
+          <p:cNvPr id="10" name="TextBox 9">
+            <a:extLst>
+              <a:ext uri="{FF2B5EF4-FFF2-40B4-BE49-F238E27FC236}">
+                <a16:creationId xmlns:a16="http://schemas.microsoft.com/office/drawing/2014/main" id="{57700EB3-35B3-FF11-88CD-4620EFA46369}"/>
+              </a:ext>
+            </a:extLst>
+          </p:cNvPr>
+          <p:cNvSpPr txBox="1"/>
+          <p:nvPr/>
+        </p:nvSpPr>
+        <p:spPr>
+          <a:xfrm>
+            <a:off x="7574172" y="3097799"/>
+            <a:ext cx="2169762" cy="276999"/>
+          </a:xfrm>
+          <a:prstGeom prst="rect">
+            <a:avLst/>
+          </a:prstGeom>
+          <a:noFill/>
+        </p:spPr>
+        <p:txBody>
+          <a:bodyPr wrap="square" rtlCol="0">
+            <a:spAutoFit/>
+          </a:bodyPr>
+          <a:lstStyle/>
+          <a:p>
+            <a:pPr algn="ctr"/>
+            <a:r>
+              <a:rPr lang="en-US" sz="1200" b="1" dirty="0"/>
+              <a:t>LLM API Gateway</a:t>
+            </a:r>
+          </a:p>
+        </p:txBody>
+      </p:sp>
+      <p:sp>
+        <p:nvSpPr>
+          <p:cNvPr id="25" name="TextBox 24">
+            <a:extLst>
+              <a:ext uri="{FF2B5EF4-FFF2-40B4-BE49-F238E27FC236}">
+                <a16:creationId xmlns:a16="http://schemas.microsoft.com/office/drawing/2014/main" id="{3D0A269C-A34B-A63C-B372-A42EEBAD68BF}"/>
+              </a:ext>
+            </a:extLst>
+          </p:cNvPr>
+          <p:cNvSpPr txBox="1"/>
+          <p:nvPr/>
+        </p:nvSpPr>
+        <p:spPr>
+          <a:xfrm>
+            <a:off x="7946777" y="3837802"/>
+            <a:ext cx="1707394" cy="461665"/>
+          </a:xfrm>
+          <a:prstGeom prst="rect">
+            <a:avLst/>
+          </a:prstGeom>
+          <a:noFill/>
+        </p:spPr>
+        <p:txBody>
+          <a:bodyPr wrap="square" rtlCol="0">
+            <a:spAutoFit/>
+          </a:bodyPr>
+          <a:lstStyle/>
+          <a:p>
+            <a:pPr algn="r"/>
+            <a:r>
+              <a:rPr lang="en-US" sz="1200" b="1" dirty="0"/>
+              <a:t>Docker Image in Azure Container App</a:t>
+            </a:r>
+          </a:p>
+        </p:txBody>
+      </p:sp>
+      <p:cxnSp>
+        <p:nvCxnSpPr>
+          <p:cNvPr id="12" name="Straight Arrow Connector 11">
+            <a:extLst>
+              <a:ext uri="{FF2B5EF4-FFF2-40B4-BE49-F238E27FC236}">
+                <a16:creationId xmlns:a16="http://schemas.microsoft.com/office/drawing/2014/main" id="{120DF10C-DD91-047C-82ED-15733462FFBB}"/>
+              </a:ext>
+            </a:extLst>
+          </p:cNvPr>
+          <p:cNvCxnSpPr>
+            <a:cxnSpLocks/>
+            <a:stCxn id="1030" idx="3"/>
+          </p:cNvCxnSpPr>
+          <p:nvPr/>
+        </p:nvCxnSpPr>
+        <p:spPr>
+          <a:xfrm flipV="1">
+            <a:off x="6030783" y="3018615"/>
+            <a:ext cx="1508368" cy="8012"/>
+          </a:xfrm>
+          <a:prstGeom prst="straightConnector1">
+            <a:avLst/>
+          </a:prstGeom>
+          <a:ln>
+            <a:tailEnd type="triangle"/>
+          </a:ln>
+        </p:spPr>
+        <p:style>
+          <a:lnRef idx="2">
+            <a:schemeClr val="accent1"/>
+          </a:lnRef>
+          <a:fillRef idx="0">
+            <a:schemeClr val="accent1"/>
+          </a:fillRef>
+          <a:effectRef idx="1">
+            <a:schemeClr val="accent1"/>
+          </a:effectRef>
+          <a:fontRef idx="minor">
+            <a:schemeClr val="tx1"/>
+          </a:fontRef>
+        </p:style>
+      </p:cxnSp>
+      <p:cxnSp>
+        <p:nvCxnSpPr>
+          <p:cNvPr id="27" name="Straight Arrow Connector 26">
+            <a:extLst>
+              <a:ext uri="{FF2B5EF4-FFF2-40B4-BE49-F238E27FC236}">
+                <a16:creationId xmlns:a16="http://schemas.microsoft.com/office/drawing/2014/main" id="{C8156C35-42DC-B2FE-7E9E-6936093105AC}"/>
+              </a:ext>
+            </a:extLst>
+          </p:cNvPr>
+          <p:cNvCxnSpPr>
+            <a:cxnSpLocks/>
+          </p:cNvCxnSpPr>
+          <p:nvPr/>
+        </p:nvCxnSpPr>
+        <p:spPr>
+          <a:xfrm flipV="1">
+            <a:off x="9485555" y="2372786"/>
+            <a:ext cx="660627" cy="546599"/>
+          </a:xfrm>
+          <a:prstGeom prst="straightConnector1">
+            <a:avLst/>
+          </a:prstGeom>
+          <a:ln>
+            <a:tailEnd type="triangle"/>
+          </a:ln>
+        </p:spPr>
+        <p:style>
+          <a:lnRef idx="2">
+            <a:schemeClr val="accent1"/>
+          </a:lnRef>
+          <a:fillRef idx="0">
+            <a:schemeClr val="accent1"/>
+          </a:fillRef>
+          <a:effectRef idx="1">
+            <a:schemeClr val="accent1"/>
+          </a:effectRef>
+          <a:fontRef idx="minor">
+            <a:schemeClr val="tx1"/>
+          </a:fontRef>
+        </p:style>
+      </p:cxnSp>
+      <p:cxnSp>
+        <p:nvCxnSpPr>
+          <p:cNvPr id="32" name="Straight Arrow Connector 31">
+            <a:extLst>
+              <a:ext uri="{FF2B5EF4-FFF2-40B4-BE49-F238E27FC236}">
+                <a16:creationId xmlns:a16="http://schemas.microsoft.com/office/drawing/2014/main" id="{9F333533-1132-34C1-E35C-64B656DFDF45}"/>
+              </a:ext>
+            </a:extLst>
+          </p:cNvPr>
+          <p:cNvCxnSpPr>
+            <a:cxnSpLocks/>
+          </p:cNvCxnSpPr>
+          <p:nvPr/>
+        </p:nvCxnSpPr>
+        <p:spPr>
+          <a:xfrm>
+            <a:off x="9456539" y="3201217"/>
+            <a:ext cx="579035" cy="487640"/>
+          </a:xfrm>
+          <a:prstGeom prst="straightConnector1">
+            <a:avLst/>
+          </a:prstGeom>
+          <a:ln>
+            <a:tailEnd type="triangle"/>
+          </a:ln>
+        </p:spPr>
+        <p:style>
+          <a:lnRef idx="2">
+            <a:schemeClr val="accent1"/>
+          </a:lnRef>
+          <a:fillRef idx="0">
+            <a:schemeClr val="accent1"/>
+          </a:fillRef>
+          <a:effectRef idx="1">
+            <a:schemeClr val="accent1"/>
+          </a:effectRef>
+          <a:fontRef idx="minor">
+            <a:schemeClr val="tx1"/>
+          </a:fontRef>
+        </p:style>
+      </p:cxnSp>
+      <p:sp>
+        <p:nvSpPr>
+          <p:cNvPr id="44" name="TextBox 43">
+            <a:hlinkClick r:id="rId14"/>
+            <a:extLst>
+              <a:ext uri="{FF2B5EF4-FFF2-40B4-BE49-F238E27FC236}">
+                <a16:creationId xmlns:a16="http://schemas.microsoft.com/office/drawing/2014/main" id="{0BC872F0-F971-18C4-9CDF-7C7DC799D211}"/>
+              </a:ext>
+            </a:extLst>
+          </p:cNvPr>
+          <p:cNvSpPr txBox="1"/>
+          <p:nvPr/>
+        </p:nvSpPr>
+        <p:spPr>
+          <a:xfrm>
+            <a:off x="892803" y="6114989"/>
+            <a:ext cx="6097904" cy="246221"/>
+          </a:xfrm>
+          <a:prstGeom prst="rect">
+            <a:avLst/>
+          </a:prstGeom>
+          <a:noFill/>
+        </p:spPr>
+        <p:txBody>
+          <a:bodyPr wrap="square">
+            <a:spAutoFit/>
+          </a:bodyPr>
+          <a:lstStyle/>
+          <a:p>
+            <a:r>
+              <a:rPr lang="en-US" sz="1000" dirty="0"/>
+              <a:t>https://</a:t>
+            </a:r>
+            <a:r>
+              <a:rPr lang="en-US" sz="1000" dirty="0" err="1"/>
+              <a:t>github.com</a:t>
+            </a:r>
+            <a:r>
+              <a:rPr lang="en-US" sz="1000" dirty="0"/>
+              <a:t>/DmitriyAlergant-T1A/BetterChatGPT-t1a</a:t>
             </a:r>
           </a:p>
         </p:txBody>
